--- a/DynamicExposure_AnalysisWorkflow_KDE-DR-PO.pptx
+++ b/DynamicExposure_AnalysisWorkflow_KDE-DR-PO.pptx
@@ -13,6 +13,7 @@
     <p:sldId id="263" r:id="rId7"/>
     <p:sldId id="265" r:id="rId8"/>
     <p:sldId id="257" r:id="rId9"/>
+    <p:sldId id="266" r:id="rId10"/>
   </p:sldIdLst>
   <p:sldSz cx="12192000" cy="6858000"/>
   <p:notesSz cx="6858000" cy="9144000"/>
@@ -3474,12 +3475,17 @@
         </p:nvSpPr>
         <p:spPr>
           <a:xfrm>
-            <a:off x="4193177" y="2704010"/>
+            <a:off x="4785359" y="1774369"/>
             <a:ext cx="1968137" cy="1323703"/>
           </a:xfrm>
           <a:prstGeom prst="roundRect">
             <a:avLst/>
           </a:prstGeom>
+          <a:solidFill>
+            <a:schemeClr val="accent4">
+              <a:lumMod val="75000"/>
+            </a:schemeClr>
+          </a:solidFill>
         </p:spPr>
         <p:style>
           <a:lnRef idx="2">
@@ -3530,12 +3536,17 @@
         </p:nvSpPr>
         <p:spPr>
           <a:xfrm>
-            <a:off x="8368937" y="2704010"/>
+            <a:off x="9483637" y="3014251"/>
             <a:ext cx="1968137" cy="1323703"/>
           </a:xfrm>
           <a:prstGeom prst="roundRect">
             <a:avLst/>
           </a:prstGeom>
+          <a:solidFill>
+            <a:schemeClr val="accent4">
+              <a:lumMod val="75000"/>
+            </a:schemeClr>
+          </a:solidFill>
         </p:spPr>
         <p:style>
           <a:lnRef idx="2">
@@ -3593,12 +3604,17 @@
         </p:nvSpPr>
         <p:spPr>
           <a:xfrm>
-            <a:off x="975360" y="2849879"/>
+            <a:off x="1436914" y="1920239"/>
             <a:ext cx="1010194" cy="1031964"/>
           </a:xfrm>
           <a:prstGeom prst="flowChartMagneticDisk">
             <a:avLst/>
           </a:prstGeom>
+          <a:solidFill>
+            <a:schemeClr val="accent4">
+              <a:lumMod val="75000"/>
+            </a:schemeClr>
+          </a:solidFill>
         </p:spPr>
         <p:style>
           <a:lnRef idx="2">
@@ -3638,14 +3654,16 @@
             </a:extLst>
           </p:cNvPr>
           <p:cNvCxnSpPr>
+            <a:cxnSpLocks/>
             <a:stCxn id="7" idx="4"/>
+            <a:endCxn id="5" idx="1"/>
           </p:cNvCxnSpPr>
           <p:nvPr/>
         </p:nvCxnSpPr>
         <p:spPr>
           <a:xfrm>
-            <a:off x="1985554" y="3365861"/>
-            <a:ext cx="2124892" cy="0"/>
+            <a:off x="2447108" y="2436221"/>
+            <a:ext cx="2338251" cy="0"/>
           </a:xfrm>
           <a:prstGeom prst="straightConnector1">
             <a:avLst/>
@@ -3669,68 +3687,31 @@
           </a:fontRef>
         </p:style>
       </p:cxnSp>
-      <p:cxnSp>
-        <p:nvCxnSpPr>
-          <p:cNvPr id="11" name="Straight Arrow Connector 10">
-            <a:extLst>
-              <a:ext uri="{FF2B5EF4-FFF2-40B4-BE49-F238E27FC236}">
-                <a16:creationId xmlns:a16="http://schemas.microsoft.com/office/drawing/2014/main" id="{C7D97AB1-39D0-84F2-8CD7-957B87E3C4F2}"/>
-              </a:ext>
-            </a:extLst>
-          </p:cNvPr>
-          <p:cNvCxnSpPr>
-            <a:stCxn id="5" idx="3"/>
-            <a:endCxn id="6" idx="1"/>
-          </p:cNvCxnSpPr>
+      <p:sp>
+        <p:nvSpPr>
+          <p:cNvPr id="12" name="Rectangle: Rounded Corners 11">
+            <a:extLst>
+              <a:ext uri="{FF2B5EF4-FFF2-40B4-BE49-F238E27FC236}">
+                <a16:creationId xmlns:a16="http://schemas.microsoft.com/office/drawing/2014/main" id="{89F6F787-3F50-C6E5-FFB6-39D0CD34E111}"/>
+              </a:ext>
+            </a:extLst>
+          </p:cNvPr>
+          <p:cNvSpPr/>
           <p:nvPr/>
-        </p:nvCxnSpPr>
+        </p:nvSpPr>
         <p:spPr>
           <a:xfrm>
-            <a:off x="6161314" y="3365862"/>
-            <a:ext cx="2207623" cy="0"/>
-          </a:xfrm>
-          <a:prstGeom prst="straightConnector1">
-            <a:avLst/>
-          </a:prstGeom>
-          <a:ln>
-            <a:tailEnd type="triangle"/>
-          </a:ln>
-        </p:spPr>
-        <p:style>
-          <a:lnRef idx="2">
-            <a:schemeClr val="accent1"/>
-          </a:lnRef>
-          <a:fillRef idx="0">
-            <a:schemeClr val="accent1"/>
-          </a:fillRef>
-          <a:effectRef idx="1">
-            <a:schemeClr val="accent1"/>
-          </a:effectRef>
-          <a:fontRef idx="minor">
-            <a:schemeClr val="tx1"/>
-          </a:fontRef>
-        </p:style>
-      </p:cxnSp>
-      <p:sp>
-        <p:nvSpPr>
-          <p:cNvPr id="12" name="Rectangle: Rounded Corners 11">
-            <a:extLst>
-              <a:ext uri="{FF2B5EF4-FFF2-40B4-BE49-F238E27FC236}">
-                <a16:creationId xmlns:a16="http://schemas.microsoft.com/office/drawing/2014/main" id="{89F6F787-3F50-C6E5-FFB6-39D0CD34E111}"/>
-              </a:ext>
-            </a:extLst>
-          </p:cNvPr>
-          <p:cNvSpPr/>
-          <p:nvPr/>
-        </p:nvSpPr>
-        <p:spPr>
-          <a:xfrm>
-            <a:off x="6281056" y="635725"/>
+            <a:off x="4785359" y="4254136"/>
             <a:ext cx="1968137" cy="1323703"/>
           </a:xfrm>
           <a:prstGeom prst="roundRect">
             <a:avLst/>
           </a:prstGeom>
+          <a:solidFill>
+            <a:schemeClr val="accent4">
+              <a:lumMod val="75000"/>
+            </a:schemeClr>
+          </a:solidFill>
         </p:spPr>
         <p:style>
           <a:lnRef idx="2">
@@ -3760,47 +3741,158 @@
           </a:p>
         </p:txBody>
       </p:sp>
-      <p:cxnSp>
-        <p:nvCxnSpPr>
-          <p:cNvPr id="14" name="Straight Arrow Connector 13">
-            <a:extLst>
-              <a:ext uri="{FF2B5EF4-FFF2-40B4-BE49-F238E27FC236}">
-                <a16:creationId xmlns:a16="http://schemas.microsoft.com/office/drawing/2014/main" id="{11563FF8-2716-67BA-8702-B096E0F3CC10}"/>
-              </a:ext>
-            </a:extLst>
-          </p:cNvPr>
-          <p:cNvCxnSpPr>
-            <a:stCxn id="12" idx="2"/>
-          </p:cNvCxnSpPr>
+      <p:sp>
+        <p:nvSpPr>
+          <p:cNvPr id="18" name="Multiplication Sign 17">
+            <a:extLst>
+              <a:ext uri="{FF2B5EF4-FFF2-40B4-BE49-F238E27FC236}">
+                <a16:creationId xmlns:a16="http://schemas.microsoft.com/office/drawing/2014/main" id="{952F5B99-404C-1629-1F51-A5B1623426CB}"/>
+              </a:ext>
+            </a:extLst>
+          </p:cNvPr>
+          <p:cNvSpPr/>
           <p:nvPr/>
-        </p:nvCxnSpPr>
+        </p:nvSpPr>
         <p:spPr>
-          <a:xfrm flipH="1">
-            <a:off x="7265124" y="1959428"/>
-            <a:ext cx="1" cy="1406433"/>
+          <a:xfrm>
+            <a:off x="5373189" y="3187340"/>
+            <a:ext cx="853440" cy="853440"/>
           </a:xfrm>
-          <a:prstGeom prst="straightConnector1">
+          <a:prstGeom prst="mathMultiply">
             <a:avLst/>
           </a:prstGeom>
+          <a:solidFill>
+            <a:schemeClr val="accent4">
+              <a:lumMod val="75000"/>
+            </a:schemeClr>
+          </a:solidFill>
+        </p:spPr>
+        <p:style>
+          <a:lnRef idx="2">
+            <a:schemeClr val="accent1">
+              <a:shade val="15000"/>
+            </a:schemeClr>
+          </a:lnRef>
+          <a:fillRef idx="1">
+            <a:schemeClr val="accent1"/>
+          </a:fillRef>
+          <a:effectRef idx="0">
+            <a:schemeClr val="accent1"/>
+          </a:effectRef>
+          <a:fontRef idx="minor">
+            <a:schemeClr val="lt1"/>
+          </a:fontRef>
+        </p:style>
+        <p:txBody>
+          <a:bodyPr rtlCol="0" anchor="ctr"/>
+          <a:lstStyle/>
+          <a:p>
+            <a:pPr algn="ctr"/>
+            <a:endParaRPr lang="en-US"/>
+          </a:p>
+        </p:txBody>
+      </p:sp>
+      <p:sp>
+        <p:nvSpPr>
+          <p:cNvPr id="20" name="Rectangle 19">
+            <a:extLst>
+              <a:ext uri="{FF2B5EF4-FFF2-40B4-BE49-F238E27FC236}">
+                <a16:creationId xmlns:a16="http://schemas.microsoft.com/office/drawing/2014/main" id="{B25B4BE6-A647-391F-B8C0-8D0929600604}"/>
+              </a:ext>
+            </a:extLst>
+          </p:cNvPr>
+          <p:cNvSpPr/>
+          <p:nvPr/>
+        </p:nvSpPr>
+        <p:spPr>
+          <a:xfrm>
+            <a:off x="4093029" y="1297577"/>
+            <a:ext cx="3413761" cy="4920338"/>
+          </a:xfrm>
+          <a:prstGeom prst="rect">
+            <a:avLst/>
+          </a:prstGeom>
+          <a:noFill/>
           <a:ln>
-            <a:tailEnd type="triangle"/>
+            <a:prstDash val="sysDash"/>
           </a:ln>
         </p:spPr>
         <p:style>
           <a:lnRef idx="2">
-            <a:schemeClr val="accent1"/>
+            <a:schemeClr val="accent1">
+              <a:shade val="15000"/>
+            </a:schemeClr>
           </a:lnRef>
-          <a:fillRef idx="0">
+          <a:fillRef idx="1">
             <a:schemeClr val="accent1"/>
           </a:fillRef>
-          <a:effectRef idx="1">
+          <a:effectRef idx="0">
             <a:schemeClr val="accent1"/>
           </a:effectRef>
           <a:fontRef idx="minor">
-            <a:schemeClr val="tx1"/>
+            <a:schemeClr val="lt1"/>
           </a:fontRef>
         </p:style>
-      </p:cxnSp>
+        <p:txBody>
+          <a:bodyPr rtlCol="0" anchor="ctr"/>
+          <a:lstStyle/>
+          <a:p>
+            <a:pPr algn="ctr"/>
+            <a:endParaRPr lang="en-US"/>
+          </a:p>
+        </p:txBody>
+      </p:sp>
+      <p:sp>
+        <p:nvSpPr>
+          <p:cNvPr id="21" name="Arrow: Right 20">
+            <a:extLst>
+              <a:ext uri="{FF2B5EF4-FFF2-40B4-BE49-F238E27FC236}">
+                <a16:creationId xmlns:a16="http://schemas.microsoft.com/office/drawing/2014/main" id="{16B21030-C7E3-9692-4C20-2DC04338870F}"/>
+              </a:ext>
+            </a:extLst>
+          </p:cNvPr>
+          <p:cNvSpPr/>
+          <p:nvPr/>
+        </p:nvSpPr>
+        <p:spPr>
+          <a:xfrm>
+            <a:off x="7689673" y="3570514"/>
+            <a:ext cx="1611081" cy="261257"/>
+          </a:xfrm>
+          <a:prstGeom prst="rightArrow">
+            <a:avLst/>
+          </a:prstGeom>
+          <a:solidFill>
+            <a:schemeClr val="accent4">
+              <a:lumMod val="75000"/>
+            </a:schemeClr>
+          </a:solidFill>
+        </p:spPr>
+        <p:style>
+          <a:lnRef idx="2">
+            <a:schemeClr val="accent1">
+              <a:shade val="15000"/>
+            </a:schemeClr>
+          </a:lnRef>
+          <a:fillRef idx="1">
+            <a:schemeClr val="accent1"/>
+          </a:fillRef>
+          <a:effectRef idx="0">
+            <a:schemeClr val="accent1"/>
+          </a:effectRef>
+          <a:fontRef idx="minor">
+            <a:schemeClr val="lt1"/>
+          </a:fontRef>
+        </p:style>
+        <p:txBody>
+          <a:bodyPr rtlCol="0" anchor="ctr"/>
+          <a:lstStyle/>
+          <a:p>
+            <a:pPr algn="ctr"/>
+            <a:endParaRPr lang="en-US"/>
+          </a:p>
+        </p:txBody>
+      </p:sp>
     </p:spTree>
     <p:extLst>
       <p:ext uri="{BB962C8B-B14F-4D97-AF65-F5344CB8AC3E}">
@@ -4389,8 +4481,8 @@
         </p:nvSpPr>
         <p:spPr>
           <a:xfrm>
-            <a:off x="95416" y="737963"/>
-            <a:ext cx="4830545" cy="4366774"/>
+            <a:off x="26126" y="720545"/>
+            <a:ext cx="3743325" cy="4138837"/>
           </a:xfrm>
           <a:prstGeom prst="roundRect">
             <a:avLst/>
@@ -4456,8 +4548,8 @@
         </p:blipFill>
         <p:spPr>
           <a:xfrm>
-            <a:off x="95416" y="1096695"/>
-            <a:ext cx="12096584" cy="5238588"/>
+            <a:off x="0" y="1096694"/>
+            <a:ext cx="12192000" cy="5279909"/>
           </a:xfrm>
           <a:prstGeom prst="rect">
             <a:avLst/>
@@ -4478,7 +4570,7 @@
         </p:nvSpPr>
         <p:spPr>
           <a:xfrm>
-            <a:off x="884678" y="189265"/>
+            <a:off x="491305" y="189266"/>
             <a:ext cx="3252020" cy="369332"/>
           </a:xfrm>
           <a:prstGeom prst="rect">
@@ -4506,6 +4598,89 @@
           </a:p>
         </p:txBody>
       </p:sp>
+      <p:sp>
+        <p:nvSpPr>
+          <p:cNvPr id="7" name="TextBox 6">
+            <a:extLst>
+              <a:ext uri="{FF2B5EF4-FFF2-40B4-BE49-F238E27FC236}">
+                <a16:creationId xmlns:a16="http://schemas.microsoft.com/office/drawing/2014/main" id="{4BE9CD41-CAB1-A498-58ED-F61734F59D77}"/>
+              </a:ext>
+            </a:extLst>
+          </p:cNvPr>
+          <p:cNvSpPr txBox="1"/>
+          <p:nvPr/>
+        </p:nvSpPr>
+        <p:spPr>
+          <a:xfrm>
+            <a:off x="5875293" y="169956"/>
+            <a:ext cx="5148782" cy="1496474"/>
+          </a:xfrm>
+          <a:prstGeom prst="rect">
+            <a:avLst/>
+          </a:prstGeom>
+          <a:noFill/>
+        </p:spPr>
+        <p:txBody>
+          <a:bodyPr wrap="square" rtlCol="0">
+            <a:spAutoFit/>
+          </a:bodyPr>
+          <a:lstStyle/>
+          <a:p>
+            <a:r>
+              <a:rPr lang="en-US" dirty="0"/>
+              <a:t>In workflow #2, the steps that convert GPS points to an Activity Space (highlighted in the dotted box) are modularized into standalone codes to enhance efficiency for calculating multiple exposures for the same participant/cohort.</a:t>
+            </a:r>
+          </a:p>
+        </p:txBody>
+      </p:sp>
+      <p:cxnSp>
+        <p:nvCxnSpPr>
+          <p:cNvPr id="3" name="Straight Arrow Connector 2">
+            <a:extLst>
+              <a:ext uri="{FF2B5EF4-FFF2-40B4-BE49-F238E27FC236}">
+                <a16:creationId xmlns:a16="http://schemas.microsoft.com/office/drawing/2014/main" id="{90DBBF39-9949-1097-9C31-624B62B94231}"/>
+              </a:ext>
+            </a:extLst>
+          </p:cNvPr>
+          <p:cNvCxnSpPr>
+            <a:cxnSpLocks/>
+            <a:stCxn id="7" idx="1"/>
+          </p:cNvCxnSpPr>
+          <p:nvPr/>
+        </p:nvCxnSpPr>
+        <p:spPr>
+          <a:xfrm flipH="1">
+            <a:off x="3945653" y="918193"/>
+            <a:ext cx="1929640" cy="729091"/>
+          </a:xfrm>
+          <a:prstGeom prst="straightConnector1">
+            <a:avLst/>
+          </a:prstGeom>
+          <a:ln w="19050" cap="flat" cmpd="sng" algn="ctr">
+            <a:solidFill>
+              <a:schemeClr val="dk1"/>
+            </a:solidFill>
+            <a:prstDash val="solid"/>
+            <a:round/>
+            <a:headEnd type="none" w="med" len="med"/>
+            <a:tailEnd type="arrow" w="med" len="med"/>
+          </a:ln>
+        </p:spPr>
+        <p:style>
+          <a:lnRef idx="0">
+            <a:scrgbClr r="0" g="0" b="0"/>
+          </a:lnRef>
+          <a:fillRef idx="0">
+            <a:scrgbClr r="0" g="0" b="0"/>
+          </a:fillRef>
+          <a:effectRef idx="0">
+            <a:scrgbClr r="0" g="0" b="0"/>
+          </a:effectRef>
+          <a:fontRef idx="minor">
+            <a:schemeClr val="tx1"/>
+          </a:fontRef>
+        </p:style>
+      </p:cxnSp>
     </p:spTree>
     <p:extLst>
       <p:ext uri="{BB962C8B-B14F-4D97-AF65-F5344CB8AC3E}">
@@ -4588,45 +4763,6 @@
           </a:p>
         </p:txBody>
       </p:sp>
-      <p:pic>
-        <p:nvPicPr>
-          <p:cNvPr id="5" name="Graphic 4">
-            <a:extLst>
-              <a:ext uri="{FF2B5EF4-FFF2-40B4-BE49-F238E27FC236}">
-                <a16:creationId xmlns:a16="http://schemas.microsoft.com/office/drawing/2014/main" id="{04F9C8FC-6F08-EE8B-D5BB-EBA086A79885}"/>
-              </a:ext>
-            </a:extLst>
-          </p:cNvPr>
-          <p:cNvPicPr>
-            <a:picLocks noChangeAspect="1"/>
-          </p:cNvPicPr>
-          <p:nvPr/>
-        </p:nvPicPr>
-        <p:blipFill>
-          <a:blip r:embed="rId2">
-            <a:extLst>
-              <a:ext uri="{28A0092B-C50C-407E-A947-70E740481C1C}">
-                <a14:useLocalDpi xmlns:a14="http://schemas.microsoft.com/office/drawing/2010/main" val="0"/>
-              </a:ext>
-              <a:ext uri="{96DAC541-7B7A-43D3-8B79-37D633B846F1}">
-                <asvg:svgBlip xmlns:asvg="http://schemas.microsoft.com/office/drawing/2016/SVG/main" r:embed="rId3"/>
-              </a:ext>
-            </a:extLst>
-          </a:blip>
-          <a:stretch>
-            <a:fillRect/>
-          </a:stretch>
-        </p:blipFill>
-        <p:spPr>
-          <a:xfrm>
-            <a:off x="831979" y="-367469"/>
-            <a:ext cx="10528041" cy="6858000"/>
-          </a:xfrm>
-          <a:prstGeom prst="rect">
-            <a:avLst/>
-          </a:prstGeom>
-        </p:spPr>
-      </p:pic>
       <p:sp>
         <p:nvSpPr>
           <p:cNvPr id="6" name="TextBox 5">
@@ -4657,7 +4793,7 @@
           <a:p>
             <a:r>
               <a:rPr lang="en-US" sz="2400" dirty="0"/>
-              <a:t>Dynamic Exposure Calculation Workflow – </a:t>
+              <a:t>Dynamic Exposure Calculation Workflow for </a:t>
             </a:r>
           </a:p>
           <a:p>
@@ -4667,7 +4803,19 @@
                   <a:srgbClr val="0070C0"/>
                 </a:solidFill>
               </a:rPr>
-              <a:t>DR (Density Ranking) &amp; </a:t>
+              <a:t>DR (Density Ranking) </a:t>
+            </a:r>
+            <a:r>
+              <a:rPr lang="en-US" sz="2400" dirty="0"/>
+              <a:t>&amp;</a:t>
+            </a:r>
+            <a:r>
+              <a:rPr lang="en-US" sz="2400" b="1" dirty="0">
+                <a:solidFill>
+                  <a:srgbClr val="0070C0"/>
+                </a:solidFill>
+              </a:rPr>
+              <a:t> </a:t>
             </a:r>
             <a:r>
               <a:rPr lang="en-US" sz="2400" b="1" dirty="0">
@@ -4699,7 +4847,7 @@
         </p:nvSpPr>
         <p:spPr>
           <a:xfrm>
-            <a:off x="205100" y="5011177"/>
+            <a:off x="170917" y="5114301"/>
             <a:ext cx="7178467" cy="1754326"/>
           </a:xfrm>
           <a:prstGeom prst="rect">
@@ -4867,6 +5015,45 @@
           </p:txBody>
         </p:sp>
       </p:grpSp>
+      <p:pic>
+        <p:nvPicPr>
+          <p:cNvPr id="5" name="Graphic 4">
+            <a:extLst>
+              <a:ext uri="{FF2B5EF4-FFF2-40B4-BE49-F238E27FC236}">
+                <a16:creationId xmlns:a16="http://schemas.microsoft.com/office/drawing/2014/main" id="{04F9C8FC-6F08-EE8B-D5BB-EBA086A79885}"/>
+              </a:ext>
+            </a:extLst>
+          </p:cNvPr>
+          <p:cNvPicPr>
+            <a:picLocks noChangeAspect="1"/>
+          </p:cNvPicPr>
+          <p:nvPr/>
+        </p:nvPicPr>
+        <p:blipFill>
+          <a:blip r:embed="rId2">
+            <a:extLst>
+              <a:ext uri="{28A0092B-C50C-407E-A947-70E740481C1C}">
+                <a14:useLocalDpi xmlns:a14="http://schemas.microsoft.com/office/drawing/2010/main" val="0"/>
+              </a:ext>
+              <a:ext uri="{96DAC541-7B7A-43D3-8B79-37D633B846F1}">
+                <asvg:svgBlip xmlns:asvg="http://schemas.microsoft.com/office/drawing/2016/SVG/main" r:embed="rId3"/>
+              </a:ext>
+            </a:extLst>
+          </a:blip>
+          <a:stretch>
+            <a:fillRect/>
+          </a:stretch>
+        </p:blipFill>
+        <p:spPr>
+          <a:xfrm>
+            <a:off x="831979" y="-367469"/>
+            <a:ext cx="10528041" cy="6858000"/>
+          </a:xfrm>
+          <a:prstGeom prst="rect">
+            <a:avLst/>
+          </a:prstGeom>
+        </p:spPr>
+      </p:pic>
       <p:cxnSp>
         <p:nvCxnSpPr>
           <p:cNvPr id="16" name="Straight Arrow Connector 15">
@@ -4917,6 +5104,288 @@
     <p:extLst>
       <p:ext uri="{BB962C8B-B14F-4D97-AF65-F5344CB8AC3E}">
         <p14:creationId xmlns:p14="http://schemas.microsoft.com/office/powerpoint/2010/main" val="552376640"/>
+      </p:ext>
+    </p:extLst>
+  </p:cSld>
+  <p:clrMapOvr>
+    <a:masterClrMapping/>
+  </p:clrMapOvr>
+</p:sld>
+</file>
+
+<file path=ppt/slides/slide9.xml><?xml version="1.0" encoding="utf-8"?>
+<p:sld xmlns:a="http://schemas.openxmlformats.org/drawingml/2006/main" xmlns:r="http://schemas.openxmlformats.org/officeDocument/2006/relationships" xmlns:p="http://schemas.openxmlformats.org/presentationml/2006/main">
+  <p:cSld>
+    <p:spTree>
+      <p:nvGrpSpPr>
+        <p:cNvPr id="1" name=""/>
+        <p:cNvGrpSpPr/>
+        <p:nvPr/>
+      </p:nvGrpSpPr>
+      <p:grpSpPr>
+        <a:xfrm>
+          <a:off x="0" y="0"/>
+          <a:ext cx="0" cy="0"/>
+          <a:chOff x="0" y="0"/>
+          <a:chExt cx="0" cy="0"/>
+        </a:xfrm>
+      </p:grpSpPr>
+      <p:sp>
+        <p:nvSpPr>
+          <p:cNvPr id="2" name="Title 1">
+            <a:extLst>
+              <a:ext uri="{FF2B5EF4-FFF2-40B4-BE49-F238E27FC236}">
+                <a16:creationId xmlns:a16="http://schemas.microsoft.com/office/drawing/2014/main" id="{F1A25661-B87C-ACDB-6F18-1E94144E39AC}"/>
+              </a:ext>
+            </a:extLst>
+          </p:cNvPr>
+          <p:cNvSpPr>
+            <a:spLocks noGrp="1"/>
+          </p:cNvSpPr>
+          <p:nvPr>
+            <p:ph type="title"/>
+          </p:nvPr>
+        </p:nvSpPr>
+        <p:spPr/>
+        <p:txBody>
+          <a:bodyPr/>
+          <a:lstStyle/>
+          <a:p>
+            <a:r>
+              <a:rPr lang="en-US" dirty="0"/>
+              <a:t>Notes</a:t>
+            </a:r>
+          </a:p>
+        </p:txBody>
+      </p:sp>
+      <p:sp>
+        <p:nvSpPr>
+          <p:cNvPr id="3" name="Content Placeholder 2">
+            <a:extLst>
+              <a:ext uri="{FF2B5EF4-FFF2-40B4-BE49-F238E27FC236}">
+                <a16:creationId xmlns:a16="http://schemas.microsoft.com/office/drawing/2014/main" id="{4D49AE5D-BB97-FA3D-F55E-317D7E26D806}"/>
+              </a:ext>
+            </a:extLst>
+          </p:cNvPr>
+          <p:cNvSpPr>
+            <a:spLocks noGrp="1"/>
+          </p:cNvSpPr>
+          <p:nvPr>
+            <p:ph idx="1"/>
+          </p:nvPr>
+        </p:nvSpPr>
+        <p:spPr/>
+        <p:txBody>
+          <a:bodyPr/>
+          <a:lstStyle/>
+          <a:p>
+            <a:r>
+              <a:rPr lang="en-US" dirty="0"/>
+              <a:t>For best performance and computation efficiency, user should employ the following workflow approaches for dynamic exposure calculation:</a:t>
+            </a:r>
+          </a:p>
+          <a:p>
+            <a:pPr marL="0" indent="0">
+              <a:buNone/>
+            </a:pPr>
+            <a:endParaRPr lang="en-US" dirty="0"/>
+          </a:p>
+        </p:txBody>
+      </p:sp>
+      <p:graphicFrame>
+        <p:nvGraphicFramePr>
+          <p:cNvPr id="5" name="Table 4">
+            <a:extLst>
+              <a:ext uri="{FF2B5EF4-FFF2-40B4-BE49-F238E27FC236}">
+                <a16:creationId xmlns:a16="http://schemas.microsoft.com/office/drawing/2014/main" id="{E5CA0EA2-585C-D3DD-E783-0210B09A4196}"/>
+              </a:ext>
+            </a:extLst>
+          </p:cNvPr>
+          <p:cNvGraphicFramePr>
+            <a:graphicFrameLocks noGrp="1"/>
+          </p:cNvGraphicFramePr>
+          <p:nvPr>
+            <p:extLst>
+              <p:ext uri="{D42A27DB-BD31-4B8C-83A1-F6EECF244321}">
+                <p14:modId xmlns:p14="http://schemas.microsoft.com/office/powerpoint/2010/main" val="22737357"/>
+              </p:ext>
+            </p:extLst>
+          </p:nvPr>
+        </p:nvGraphicFramePr>
+        <p:xfrm>
+          <a:off x="3005746" y="3429000"/>
+          <a:ext cx="6180508" cy="2297000"/>
+        </p:xfrm>
+        <a:graphic>
+          <a:graphicData uri="http://schemas.openxmlformats.org/drawingml/2006/table">
+            <a:tbl>
+              <a:tblPr firstRow="1" bandRow="1">
+                <a:tableStyleId>{5C22544A-7EE6-4342-B048-85BDC9FD1C3A}</a:tableStyleId>
+              </a:tblPr>
+              <a:tblGrid>
+                <a:gridCol w="3090254">
+                  <a:extLst>
+                    <a:ext uri="{9D8B030D-6E8A-4147-A177-3AD203B41FA5}">
+                      <a16:colId xmlns:a16="http://schemas.microsoft.com/office/drawing/2014/main" val="568660506"/>
+                    </a:ext>
+                  </a:extLst>
+                </a:gridCol>
+                <a:gridCol w="3090254">
+                  <a:extLst>
+                    <a:ext uri="{9D8B030D-6E8A-4147-A177-3AD203B41FA5}">
+                      <a16:colId xmlns:a16="http://schemas.microsoft.com/office/drawing/2014/main" val="3018266403"/>
+                    </a:ext>
+                  </a:extLst>
+                </a:gridCol>
+              </a:tblGrid>
+              <a:tr h="574250">
+                <a:tc>
+                  <a:txBody>
+                    <a:bodyPr/>
+                    <a:lstStyle/>
+                    <a:p>
+                      <a:pPr algn="ctr"/>
+                      <a:r>
+                        <a:rPr lang="en-US" dirty="0"/>
+                        <a:t>Approach</a:t>
+                      </a:r>
+                    </a:p>
+                  </a:txBody>
+                  <a:tcPr anchor="ctr"/>
+                </a:tc>
+                <a:tc>
+                  <a:txBody>
+                    <a:bodyPr/>
+                    <a:lstStyle/>
+                    <a:p>
+                      <a:pPr algn="ctr"/>
+                      <a:r>
+                        <a:rPr lang="en-US" dirty="0"/>
+                        <a:t>Workflow Option</a:t>
+                      </a:r>
+                    </a:p>
+                  </a:txBody>
+                  <a:tcPr anchor="ctr"/>
+                </a:tc>
+                <a:extLst>
+                  <a:ext uri="{0D108BD9-81ED-4DB2-BD59-A6C34878D82A}">
+                    <a16:rowId xmlns:a16="http://schemas.microsoft.com/office/drawing/2014/main" val="4060709117"/>
+                  </a:ext>
+                </a:extLst>
+              </a:tr>
+              <a:tr h="574250">
+                <a:tc>
+                  <a:txBody>
+                    <a:bodyPr/>
+                    <a:lstStyle/>
+                    <a:p>
+                      <a:pPr algn="ctr"/>
+                      <a:r>
+                        <a:rPr lang="en-US" dirty="0"/>
+                        <a:t>KDE</a:t>
+                      </a:r>
+                    </a:p>
+                  </a:txBody>
+                  <a:tcPr anchor="ctr"/>
+                </a:tc>
+                <a:tc>
+                  <a:txBody>
+                    <a:bodyPr/>
+                    <a:lstStyle/>
+                    <a:p>
+                      <a:pPr algn="ctr"/>
+                      <a:r>
+                        <a:rPr lang="en-US" dirty="0"/>
+                        <a:t>Option #2</a:t>
+                      </a:r>
+                    </a:p>
+                  </a:txBody>
+                  <a:tcPr anchor="ctr"/>
+                </a:tc>
+                <a:extLst>
+                  <a:ext uri="{0D108BD9-81ED-4DB2-BD59-A6C34878D82A}">
+                    <a16:rowId xmlns:a16="http://schemas.microsoft.com/office/drawing/2014/main" val="3142383962"/>
+                  </a:ext>
+                </a:extLst>
+              </a:tr>
+              <a:tr h="574250">
+                <a:tc>
+                  <a:txBody>
+                    <a:bodyPr/>
+                    <a:lstStyle/>
+                    <a:p>
+                      <a:pPr algn="ctr"/>
+                      <a:r>
+                        <a:rPr lang="en-US" dirty="0"/>
+                        <a:t>DR</a:t>
+                      </a:r>
+                    </a:p>
+                  </a:txBody>
+                  <a:tcPr anchor="ctr"/>
+                </a:tc>
+                <a:tc>
+                  <a:txBody>
+                    <a:bodyPr/>
+                    <a:lstStyle/>
+                    <a:p>
+                      <a:pPr algn="ctr"/>
+                      <a:r>
+                        <a:rPr lang="en-US" dirty="0"/>
+                        <a:t>Option #2</a:t>
+                      </a:r>
+                    </a:p>
+                  </a:txBody>
+                  <a:tcPr anchor="ctr"/>
+                </a:tc>
+                <a:extLst>
+                  <a:ext uri="{0D108BD9-81ED-4DB2-BD59-A6C34878D82A}">
+                    <a16:rowId xmlns:a16="http://schemas.microsoft.com/office/drawing/2014/main" val="2098828914"/>
+                  </a:ext>
+                </a:extLst>
+              </a:tr>
+              <a:tr h="574250">
+                <a:tc>
+                  <a:txBody>
+                    <a:bodyPr/>
+                    <a:lstStyle/>
+                    <a:p>
+                      <a:pPr algn="ctr"/>
+                      <a:r>
+                        <a:rPr lang="en-US" dirty="0"/>
+                        <a:t>PO</a:t>
+                      </a:r>
+                    </a:p>
+                  </a:txBody>
+                  <a:tcPr anchor="ctr"/>
+                </a:tc>
+                <a:tc>
+                  <a:txBody>
+                    <a:bodyPr/>
+                    <a:lstStyle/>
+                    <a:p>
+                      <a:pPr algn="ctr"/>
+                      <a:r>
+                        <a:rPr lang="en-US" dirty="0"/>
+                        <a:t>Option #1</a:t>
+                      </a:r>
+                    </a:p>
+                  </a:txBody>
+                  <a:tcPr anchor="ctr"/>
+                </a:tc>
+                <a:extLst>
+                  <a:ext uri="{0D108BD9-81ED-4DB2-BD59-A6C34878D82A}">
+                    <a16:rowId xmlns:a16="http://schemas.microsoft.com/office/drawing/2014/main" val="3271868071"/>
+                  </a:ext>
+                </a:extLst>
+              </a:tr>
+            </a:tbl>
+          </a:graphicData>
+        </a:graphic>
+      </p:graphicFrame>
+    </p:spTree>
+    <p:extLst>
+      <p:ext uri="{BB962C8B-B14F-4D97-AF65-F5344CB8AC3E}">
+        <p14:creationId xmlns:p14="http://schemas.microsoft.com/office/powerpoint/2010/main" val="236875036"/>
       </p:ext>
     </p:extLst>
   </p:cSld>
